--- a/output/ThreePlotPCA_shapes.pptx
+++ b/output/ThreePlotPCA_shapes.pptx
@@ -3095,501 +3095,471 @@
           <a:chExt cx="0" cy="0"/>
         </a:xfrm>
       </p:grpSpPr>
-      <p:grpSp>
-        <p:nvGrpSpPr>
-          <p:cNvPr id="20" name="Group 19"/>
-          <p:cNvGrpSpPr/>
+      <p:sp>
+        <p:nvSpPr>
+          <p:cNvPr id="17" name="Rectangle 16"/>
+          <p:cNvSpPr/>
           <p:nvPr/>
-        </p:nvGrpSpPr>
-        <p:grpSpPr>
+        </p:nvSpPr>
+        <p:spPr>
           <a:xfrm>
-            <a:off x="467544" y="332656"/>
-            <a:ext cx="7704856" cy="6525344"/>
-            <a:chOff x="467544" y="332656"/>
-            <a:chExt cx="7704856" cy="6525344"/>
+            <a:off x="467544" y="188640"/>
+            <a:ext cx="7819410" cy="6669360"/>
           </a:xfrm>
-        </p:grpSpPr>
-        <p:sp>
-          <p:nvSpPr>
-            <p:cNvPr id="17" name="Rectangle 16"/>
-            <p:cNvSpPr/>
-            <p:nvPr/>
-          </p:nvSpPr>
-          <p:spPr>
-            <a:xfrm>
-              <a:off x="467544" y="332656"/>
-              <a:ext cx="7704856" cy="6525344"/>
-            </a:xfrm>
-            <a:prstGeom prst="rect">
-              <a:avLst/>
-            </a:prstGeom>
+          <a:prstGeom prst="rect">
+            <a:avLst/>
+          </a:prstGeom>
+          <a:solidFill>
+            <a:schemeClr val="bg1"/>
+          </a:solidFill>
+          <a:ln>
             <a:solidFill>
               <a:schemeClr val="bg1"/>
             </a:solidFill>
-            <a:ln>
-              <a:solidFill>
-                <a:schemeClr val="bg1"/>
-              </a:solidFill>
-            </a:ln>
-          </p:spPr>
-          <p:style>
-            <a:lnRef idx="2">
-              <a:schemeClr val="accent1">
-                <a:shade val="50000"/>
-              </a:schemeClr>
-            </a:lnRef>
-            <a:fillRef idx="1">
-              <a:schemeClr val="accent1"/>
-            </a:fillRef>
-            <a:effectRef idx="0">
-              <a:schemeClr val="accent1"/>
-            </a:effectRef>
-            <a:fontRef idx="minor">
-              <a:schemeClr val="lt1"/>
-            </a:fontRef>
-          </p:style>
-          <p:txBody>
-            <a:bodyPr rtlCol="0" anchor="ctr"/>
-            <a:lstStyle/>
-            <a:p>
-              <a:pPr algn="ctr"/>
-              <a:endParaRPr lang="en-IE"/>
-            </a:p>
-          </p:txBody>
-        </p:sp>
-        <p:pic>
-          <p:nvPicPr>
-            <p:cNvPr id="1027" name="Picture 3"/>
-            <p:cNvPicPr>
-              <a:picLocks noChangeAspect="1" noChangeArrowheads="1"/>
-            </p:cNvPicPr>
-            <p:nvPr/>
-          </p:nvPicPr>
-          <p:blipFill>
-            <a:blip r:embed="rId2">
-              <a:extLst>
-                <a:ext uri="{28A0092B-C50C-407E-A947-70E740481C1C}">
-                  <a14:useLocalDpi xmlns:a14="http://schemas.microsoft.com/office/drawing/2010/main" val="0"/>
-                </a:ext>
-              </a:extLst>
-            </a:blip>
-            <a:srcRect/>
-            <a:stretch>
-              <a:fillRect/>
-            </a:stretch>
-          </p:blipFill>
-          <p:spPr bwMode="auto">
-            <a:xfrm>
-              <a:off x="1030496" y="700296"/>
-              <a:ext cx="6957400" cy="5944255"/>
-            </a:xfrm>
-            <a:prstGeom prst="rect">
-              <a:avLst/>
-            </a:prstGeom>
-            <a:noFill/>
-            <a:ln>
-              <a:noFill/>
-            </a:ln>
+          </a:ln>
+        </p:spPr>
+        <p:style>
+          <a:lnRef idx="2">
+            <a:schemeClr val="accent1">
+              <a:shade val="50000"/>
+            </a:schemeClr>
+          </a:lnRef>
+          <a:fillRef idx="1">
+            <a:schemeClr val="accent1"/>
+          </a:fillRef>
+          <a:effectRef idx="0">
+            <a:schemeClr val="accent1"/>
+          </a:effectRef>
+          <a:fontRef idx="minor">
+            <a:schemeClr val="lt1"/>
+          </a:fontRef>
+        </p:style>
+        <p:txBody>
+          <a:bodyPr rtlCol="0" anchor="ctr"/>
+          <a:lstStyle/>
+          <a:p>
+            <a:pPr algn="ctr"/>
+            <a:endParaRPr lang="en-IE"/>
+          </a:p>
+        </p:txBody>
+      </p:sp>
+      <p:pic>
+        <p:nvPicPr>
+          <p:cNvPr id="1027" name="Picture 3"/>
+          <p:cNvPicPr>
+            <a:picLocks noChangeAspect="1" noChangeArrowheads="1"/>
+          </p:cNvPicPr>
+          <p:nvPr/>
+        </p:nvPicPr>
+        <p:blipFill>
+          <a:blip r:embed="rId2">
             <a:extLst>
-              <a:ext uri="{909E8E84-426E-40DD-AFC4-6F175D3DCCD1}">
-                <a14:hiddenFill xmlns:a14="http://schemas.microsoft.com/office/drawing/2010/main">
-                  <a:solidFill>
-                    <a:schemeClr val="accent1"/>
-                  </a:solidFill>
-                </a14:hiddenFill>
-              </a:ext>
-              <a:ext uri="{91240B29-F687-4F45-9708-019B960494DF}">
-                <a14:hiddenLine xmlns:a14="http://schemas.microsoft.com/office/drawing/2010/main" w="9525">
-                  <a:solidFill>
-                    <a:schemeClr val="tx1"/>
-                  </a:solidFill>
-                  <a:miter lim="800000"/>
-                  <a:headEnd/>
-                  <a:tailEnd/>
-                </a14:hiddenLine>
+              <a:ext uri="{28A0092B-C50C-407E-A947-70E740481C1C}">
+                <a14:useLocalDpi xmlns:a14="http://schemas.microsoft.com/office/drawing/2010/main" val="0"/>
               </a:ext>
             </a:extLst>
-          </p:spPr>
-        </p:pic>
-        <p:sp>
-          <p:nvSpPr>
-            <p:cNvPr id="9" name="TextBox 8"/>
-            <p:cNvSpPr txBox="1"/>
-            <p:nvPr/>
-          </p:nvSpPr>
-          <p:spPr>
-            <a:xfrm rot="16200000">
-              <a:off x="-316027" y="3228945"/>
-              <a:ext cx="2292935" cy="400110"/>
-            </a:xfrm>
-            <a:prstGeom prst="rect">
-              <a:avLst/>
-            </a:prstGeom>
+          </a:blip>
+          <a:srcRect/>
+          <a:stretch>
+            <a:fillRect/>
+          </a:stretch>
+        </p:blipFill>
+        <p:spPr bwMode="auto">
+          <a:xfrm>
+            <a:off x="1030496" y="444788"/>
+            <a:ext cx="7256458" cy="6199764"/>
+          </a:xfrm>
+          <a:prstGeom prst="rect">
+            <a:avLst/>
+          </a:prstGeom>
+          <a:noFill/>
+          <a:ln>
             <a:noFill/>
-          </p:spPr>
-          <p:txBody>
-            <a:bodyPr wrap="none" rtlCol="0">
-              <a:spAutoFit/>
-            </a:bodyPr>
-            <a:lstStyle/>
-            <a:p>
-              <a:r>
-                <a:rPr lang="en-IE" sz="2000" dirty="0" smtClean="0"/>
-                <a:t>Species average PC2</a:t>
-              </a:r>
-              <a:endParaRPr lang="en-IE" sz="2000" dirty="0"/>
-            </a:p>
-          </p:txBody>
-        </p:sp>
-        <p:sp>
-          <p:nvSpPr>
-            <p:cNvPr id="10" name="TextBox 9"/>
-            <p:cNvSpPr txBox="1"/>
-            <p:nvPr/>
-          </p:nvSpPr>
-          <p:spPr>
-            <a:xfrm>
-              <a:off x="3713403" y="6309320"/>
-              <a:ext cx="2292935" cy="400110"/>
-            </a:xfrm>
-            <a:prstGeom prst="rect">
-              <a:avLst/>
-            </a:prstGeom>
-            <a:noFill/>
-          </p:spPr>
-          <p:txBody>
-            <a:bodyPr wrap="none" rtlCol="0">
-              <a:spAutoFit/>
-            </a:bodyPr>
-            <a:lstStyle/>
-            <a:p>
-              <a:r>
-                <a:rPr lang="en-IE" sz="2000" dirty="0" smtClean="0"/>
-                <a:t>Species average PC1</a:t>
-              </a:r>
-              <a:endParaRPr lang="en-IE" sz="2000" dirty="0"/>
-            </a:p>
-          </p:txBody>
-        </p:sp>
-        <p:pic>
-          <p:nvPicPr>
-            <p:cNvPr id="11" name="Picture 10"/>
-            <p:cNvPicPr>
-              <a:picLocks noChangeAspect="1"/>
-            </p:cNvPicPr>
-            <p:nvPr/>
-          </p:nvPicPr>
-          <p:blipFill>
-            <a:blip r:embed="rId3" cstate="print">
-              <a:extLst>
-                <a:ext uri="{28A0092B-C50C-407E-A947-70E740481C1C}">
-                  <a14:useLocalDpi xmlns:a14="http://schemas.microsoft.com/office/drawing/2010/main" val="0"/>
-                </a:ext>
-              </a:extLst>
-            </a:blip>
-            <a:stretch>
-              <a:fillRect/>
-            </a:stretch>
-          </p:blipFill>
-          <p:spPr>
-            <a:xfrm>
-              <a:off x="1159123" y="425784"/>
-              <a:ext cx="1487150" cy="698960"/>
-            </a:xfrm>
-            <a:prstGeom prst="rect">
-              <a:avLst/>
-            </a:prstGeom>
-            <a:ln>
-              <a:noFill/>
-            </a:ln>
-          </p:spPr>
-        </p:pic>
-        <p:pic>
-          <p:nvPicPr>
-            <p:cNvPr id="12" name="Picture 11"/>
-            <p:cNvPicPr>
-              <a:picLocks noChangeAspect="1"/>
-            </p:cNvPicPr>
-            <p:nvPr/>
-          </p:nvPicPr>
-          <p:blipFill>
-            <a:blip r:embed="rId4" cstate="print">
-              <a:extLst>
-                <a:ext uri="{28A0092B-C50C-407E-A947-70E740481C1C}">
-                  <a14:useLocalDpi xmlns:a14="http://schemas.microsoft.com/office/drawing/2010/main" val="0"/>
-                </a:ext>
-              </a:extLst>
-            </a:blip>
-            <a:stretch>
-              <a:fillRect/>
-            </a:stretch>
-          </p:blipFill>
-          <p:spPr>
-            <a:xfrm>
-              <a:off x="4903704" y="444787"/>
-              <a:ext cx="1487150" cy="660954"/>
-            </a:xfrm>
-            <a:prstGeom prst="rect">
-              <a:avLst/>
-            </a:prstGeom>
-            <a:ln>
-              <a:noFill/>
-            </a:ln>
-          </p:spPr>
-        </p:pic>
-        <p:pic>
-          <p:nvPicPr>
-            <p:cNvPr id="13" name="Picture 12"/>
-            <p:cNvPicPr>
-              <a:picLocks noChangeAspect="1"/>
-            </p:cNvPicPr>
-            <p:nvPr/>
-          </p:nvPicPr>
-          <p:blipFill>
-            <a:blip r:embed="rId5" cstate="print">
-              <a:extLst>
-                <a:ext uri="{28A0092B-C50C-407E-A947-70E740481C1C}">
-                  <a14:useLocalDpi xmlns:a14="http://schemas.microsoft.com/office/drawing/2010/main" val="0"/>
-                </a:ext>
-              </a:extLst>
-            </a:blip>
-            <a:stretch>
-              <a:fillRect/>
-            </a:stretch>
-          </p:blipFill>
-          <p:spPr>
-            <a:xfrm>
-              <a:off x="1247771" y="3405840"/>
-              <a:ext cx="1487150" cy="533171"/>
-            </a:xfrm>
-            <a:prstGeom prst="rect">
-              <a:avLst/>
-            </a:prstGeom>
-            <a:ln>
-              <a:noFill/>
-            </a:ln>
-          </p:spPr>
-        </p:pic>
-        <p:grpSp>
-          <p:nvGrpSpPr>
-            <p:cNvPr id="4" name="Group 3"/>
-            <p:cNvGrpSpPr/>
-            <p:nvPr/>
-          </p:nvGrpSpPr>
-          <p:grpSpPr>
-            <a:xfrm>
-              <a:off x="5508104" y="4077072"/>
-              <a:ext cx="1930670" cy="1440160"/>
-              <a:chOff x="6025706" y="4725144"/>
-              <a:chExt cx="1930670" cy="1440160"/>
-            </a:xfrm>
-          </p:grpSpPr>
-          <p:sp>
-            <p:nvSpPr>
-              <p:cNvPr id="14" name="Rectangle 13"/>
-              <p:cNvSpPr/>
-              <p:nvPr/>
-            </p:nvSpPr>
-            <p:spPr>
-              <a:xfrm>
-                <a:off x="6025706" y="4725144"/>
-                <a:ext cx="1858662" cy="1440160"/>
-              </a:xfrm>
-              <a:prstGeom prst="rect">
-                <a:avLst/>
-              </a:prstGeom>
-              <a:solidFill>
-                <a:schemeClr val="bg1"/>
-              </a:solidFill>
-              <a:ln w="19050">
+          </a:ln>
+          <a:extLst>
+            <a:ext uri="{909E8E84-426E-40DD-AFC4-6F175D3DCCD1}">
+              <a14:hiddenFill xmlns:a14="http://schemas.microsoft.com/office/drawing/2010/main">
+                <a:solidFill>
+                  <a:schemeClr val="accent1"/>
+                </a:solidFill>
+              </a14:hiddenFill>
+            </a:ext>
+            <a:ext uri="{91240B29-F687-4F45-9708-019B960494DF}">
+              <a14:hiddenLine xmlns:a14="http://schemas.microsoft.com/office/drawing/2010/main" w="9525">
                 <a:solidFill>
                   <a:schemeClr val="tx1"/>
                 </a:solidFill>
-              </a:ln>
-            </p:spPr>
-            <p:style>
-              <a:lnRef idx="2">
-                <a:schemeClr val="accent1">
-                  <a:shade val="50000"/>
-                </a:schemeClr>
-              </a:lnRef>
-              <a:fillRef idx="1">
-                <a:schemeClr val="accent1"/>
-              </a:fillRef>
-              <a:effectRef idx="0">
-                <a:schemeClr val="accent1"/>
-              </a:effectRef>
-              <a:fontRef idx="minor">
-                <a:schemeClr val="lt1"/>
-              </a:fontRef>
-            </p:style>
-            <p:txBody>
-              <a:bodyPr rtlCol="0" anchor="ctr"/>
-              <a:lstStyle/>
-              <a:p>
-                <a:pPr algn="ctr"/>
-                <a:endParaRPr lang="en-IE" dirty="0"/>
-              </a:p>
-            </p:txBody>
-          </p:sp>
-          <p:sp>
-            <p:nvSpPr>
-              <p:cNvPr id="15" name="Oval 14"/>
-              <p:cNvSpPr/>
-              <p:nvPr/>
-            </p:nvSpPr>
-            <p:spPr>
-              <a:xfrm>
-                <a:off x="6133848" y="5710641"/>
-                <a:ext cx="214347" cy="166631"/>
-              </a:xfrm>
-              <a:prstGeom prst="ellipse">
-                <a:avLst/>
-              </a:prstGeom>
-              <a:solidFill>
-                <a:schemeClr val="tx1"/>
-              </a:solidFill>
-              <a:ln>
-                <a:solidFill>
-                  <a:schemeClr val="tx1"/>
-                </a:solidFill>
-              </a:ln>
-            </p:spPr>
-            <p:style>
-              <a:lnRef idx="2">
-                <a:schemeClr val="accent1">
-                  <a:shade val="50000"/>
-                </a:schemeClr>
-              </a:lnRef>
-              <a:fillRef idx="1">
-                <a:schemeClr val="accent1"/>
-              </a:fillRef>
-              <a:effectRef idx="0">
-                <a:schemeClr val="accent1"/>
-              </a:effectRef>
-              <a:fontRef idx="minor">
-                <a:schemeClr val="lt1"/>
-              </a:fontRef>
-            </p:style>
-            <p:txBody>
-              <a:bodyPr rtlCol="0" anchor="ctr"/>
-              <a:lstStyle/>
-              <a:p>
-                <a:pPr algn="ctr"/>
-                <a:endParaRPr lang="en-IE"/>
-              </a:p>
-            </p:txBody>
-          </p:sp>
-          <p:sp>
-            <p:nvSpPr>
-              <p:cNvPr id="16" name="Isosceles Triangle 15"/>
-              <p:cNvSpPr/>
-              <p:nvPr/>
-            </p:nvSpPr>
-            <p:spPr>
-              <a:xfrm>
-                <a:off x="6133848" y="5013176"/>
-                <a:ext cx="214347" cy="240515"/>
-              </a:xfrm>
-              <a:prstGeom prst="triangle">
-                <a:avLst/>
-              </a:prstGeom>
-              <a:solidFill>
-                <a:schemeClr val="tx1"/>
-              </a:solidFill>
-              <a:ln>
-                <a:solidFill>
-                  <a:schemeClr val="tx1"/>
-                </a:solidFill>
-              </a:ln>
-            </p:spPr>
-            <p:style>
-              <a:lnRef idx="2">
-                <a:schemeClr val="accent1">
-                  <a:shade val="50000"/>
-                </a:schemeClr>
-              </a:lnRef>
-              <a:fillRef idx="1">
-                <a:schemeClr val="accent1"/>
-              </a:fillRef>
-              <a:effectRef idx="0">
-                <a:schemeClr val="accent1"/>
-              </a:effectRef>
-              <a:fontRef idx="minor">
-                <a:schemeClr val="lt1"/>
-              </a:fontRef>
-            </p:style>
-            <p:txBody>
-              <a:bodyPr rtlCol="0" anchor="ctr"/>
-              <a:lstStyle/>
-              <a:p>
-                <a:pPr algn="ctr"/>
-                <a:endParaRPr lang="en-IE"/>
-              </a:p>
-            </p:txBody>
-          </p:sp>
-          <p:sp>
-            <p:nvSpPr>
-              <p:cNvPr id="3" name="TextBox 2"/>
-              <p:cNvSpPr txBox="1"/>
-              <p:nvPr/>
-            </p:nvSpPr>
-            <p:spPr>
-              <a:xfrm>
-                <a:off x="6549894" y="4941168"/>
-                <a:ext cx="974434" cy="400110"/>
-              </a:xfrm>
-              <a:prstGeom prst="rect">
-                <a:avLst/>
-              </a:prstGeom>
-              <a:noFill/>
-            </p:spPr>
-            <p:txBody>
-              <a:bodyPr wrap="none" rtlCol="0">
-                <a:spAutoFit/>
-              </a:bodyPr>
-              <a:lstStyle/>
-              <a:p>
-                <a:r>
-                  <a:rPr lang="en-IE" sz="2000" dirty="0" smtClean="0"/>
-                  <a:t>Tenrecs</a:t>
-                </a:r>
-                <a:endParaRPr lang="en-IE" sz="2000" dirty="0"/>
-              </a:p>
-            </p:txBody>
-          </p:sp>
-          <p:sp>
-            <p:nvSpPr>
-              <p:cNvPr id="18" name="TextBox 17"/>
-              <p:cNvSpPr txBox="1"/>
-              <p:nvPr/>
-            </p:nvSpPr>
-            <p:spPr>
-              <a:xfrm>
-                <a:off x="6317786" y="5589240"/>
-                <a:ext cx="1638590" cy="400110"/>
-              </a:xfrm>
-              <a:prstGeom prst="rect">
-                <a:avLst/>
-              </a:prstGeom>
-              <a:noFill/>
-            </p:spPr>
-            <p:txBody>
-              <a:bodyPr wrap="none" rtlCol="0">
-                <a:spAutoFit/>
-              </a:bodyPr>
-              <a:lstStyle/>
-              <a:p>
-                <a:r>
-                  <a:rPr lang="en-IE" sz="2000" dirty="0" smtClean="0"/>
-                  <a:t>Golden Moles</a:t>
-                </a:r>
-                <a:endParaRPr lang="en-IE" sz="2000" dirty="0"/>
-              </a:p>
-            </p:txBody>
-          </p:sp>
-        </p:grpSp>
-      </p:grpSp>
+                <a:miter lim="800000"/>
+                <a:headEnd/>
+                <a:tailEnd/>
+              </a14:hiddenLine>
+            </a:ext>
+          </a:extLst>
+        </p:spPr>
+      </p:pic>
+      <p:sp>
+        <p:nvSpPr>
+          <p:cNvPr id="9" name="TextBox 8"/>
+          <p:cNvSpPr txBox="1"/>
+          <p:nvPr/>
+        </p:nvSpPr>
+        <p:spPr>
+          <a:xfrm rot="16200000">
+            <a:off x="-316027" y="3228945"/>
+            <a:ext cx="2292935" cy="400110"/>
+          </a:xfrm>
+          <a:prstGeom prst="rect">
+            <a:avLst/>
+          </a:prstGeom>
+          <a:noFill/>
+        </p:spPr>
+        <p:txBody>
+          <a:bodyPr wrap="none" rtlCol="0">
+            <a:spAutoFit/>
+          </a:bodyPr>
+          <a:lstStyle/>
+          <a:p>
+            <a:r>
+              <a:rPr lang="en-IE" sz="2000" dirty="0" smtClean="0"/>
+              <a:t>Species average PC2</a:t>
+            </a:r>
+            <a:endParaRPr lang="en-IE" sz="2000" dirty="0"/>
+          </a:p>
+        </p:txBody>
+      </p:sp>
+      <p:sp>
+        <p:nvSpPr>
+          <p:cNvPr id="10" name="TextBox 9"/>
+          <p:cNvSpPr txBox="1"/>
+          <p:nvPr/>
+        </p:nvSpPr>
+        <p:spPr>
+          <a:xfrm>
+            <a:off x="3713403" y="6309320"/>
+            <a:ext cx="2292935" cy="400110"/>
+          </a:xfrm>
+          <a:prstGeom prst="rect">
+            <a:avLst/>
+          </a:prstGeom>
+          <a:noFill/>
+        </p:spPr>
+        <p:txBody>
+          <a:bodyPr wrap="none" rtlCol="0">
+            <a:spAutoFit/>
+          </a:bodyPr>
+          <a:lstStyle/>
+          <a:p>
+            <a:r>
+              <a:rPr lang="en-IE" sz="2000" dirty="0" smtClean="0"/>
+              <a:t>Species average PC1</a:t>
+            </a:r>
+            <a:endParaRPr lang="en-IE" sz="2000" dirty="0"/>
+          </a:p>
+        </p:txBody>
+      </p:sp>
+      <p:pic>
+        <p:nvPicPr>
+          <p:cNvPr id="11" name="Picture 10"/>
+          <p:cNvPicPr>
+            <a:picLocks noChangeAspect="1"/>
+          </p:cNvPicPr>
+          <p:nvPr/>
+        </p:nvPicPr>
+        <p:blipFill>
+          <a:blip r:embed="rId3" cstate="print">
+            <a:extLst>
+              <a:ext uri="{28A0092B-C50C-407E-A947-70E740481C1C}">
+                <a14:useLocalDpi xmlns:a14="http://schemas.microsoft.com/office/drawing/2010/main" val="0"/>
+              </a:ext>
+            </a:extLst>
+          </a:blip>
+          <a:stretch>
+            <a:fillRect/>
+          </a:stretch>
+        </p:blipFill>
+        <p:spPr>
+          <a:xfrm>
+            <a:off x="1159123" y="260648"/>
+            <a:ext cx="1487150" cy="698960"/>
+          </a:xfrm>
+          <a:prstGeom prst="rect">
+            <a:avLst/>
+          </a:prstGeom>
+          <a:ln>
+            <a:noFill/>
+          </a:ln>
+        </p:spPr>
+      </p:pic>
+      <p:pic>
+        <p:nvPicPr>
+          <p:cNvPr id="12" name="Picture 11"/>
+          <p:cNvPicPr>
+            <a:picLocks noChangeAspect="1"/>
+          </p:cNvPicPr>
+          <p:nvPr/>
+        </p:nvPicPr>
+        <p:blipFill>
+          <a:blip r:embed="rId4" cstate="print">
+            <a:extLst>
+              <a:ext uri="{28A0092B-C50C-407E-A947-70E740481C1C}">
+                <a14:useLocalDpi xmlns:a14="http://schemas.microsoft.com/office/drawing/2010/main" val="0"/>
+              </a:ext>
+            </a:extLst>
+          </a:blip>
+          <a:stretch>
+            <a:fillRect/>
+          </a:stretch>
+        </p:blipFill>
+        <p:spPr>
+          <a:xfrm>
+            <a:off x="4903704" y="279651"/>
+            <a:ext cx="1487150" cy="660954"/>
+          </a:xfrm>
+          <a:prstGeom prst="rect">
+            <a:avLst/>
+          </a:prstGeom>
+          <a:ln>
+            <a:noFill/>
+          </a:ln>
+        </p:spPr>
+      </p:pic>
+      <p:pic>
+        <p:nvPicPr>
+          <p:cNvPr id="13" name="Picture 12"/>
+          <p:cNvPicPr>
+            <a:picLocks noChangeAspect="1"/>
+          </p:cNvPicPr>
+          <p:nvPr/>
+        </p:nvPicPr>
+        <p:blipFill>
+          <a:blip r:embed="rId5" cstate="print">
+            <a:extLst>
+              <a:ext uri="{28A0092B-C50C-407E-A947-70E740481C1C}">
+                <a14:useLocalDpi xmlns:a14="http://schemas.microsoft.com/office/drawing/2010/main" val="0"/>
+              </a:ext>
+            </a:extLst>
+          </a:blip>
+          <a:stretch>
+            <a:fillRect/>
+          </a:stretch>
+        </p:blipFill>
+        <p:spPr>
+          <a:xfrm>
+            <a:off x="1247771" y="3399885"/>
+            <a:ext cx="1487150" cy="533171"/>
+          </a:xfrm>
+          <a:prstGeom prst="rect">
+            <a:avLst/>
+          </a:prstGeom>
+          <a:ln>
+            <a:noFill/>
+          </a:ln>
+        </p:spPr>
+      </p:pic>
+      <p:sp>
+        <p:nvSpPr>
+          <p:cNvPr id="14" name="Rectangle 13"/>
+          <p:cNvSpPr/>
+          <p:nvPr/>
+        </p:nvSpPr>
+        <p:spPr>
+          <a:xfrm>
+            <a:off x="5719287" y="4365104"/>
+            <a:ext cx="1877049" cy="1267341"/>
+          </a:xfrm>
+          <a:prstGeom prst="rect">
+            <a:avLst/>
+          </a:prstGeom>
+          <a:solidFill>
+            <a:schemeClr val="bg1"/>
+          </a:solidFill>
+          <a:ln w="19050">
+            <a:solidFill>
+              <a:schemeClr val="tx1"/>
+            </a:solidFill>
+          </a:ln>
+        </p:spPr>
+        <p:style>
+          <a:lnRef idx="2">
+            <a:schemeClr val="accent1">
+              <a:shade val="50000"/>
+            </a:schemeClr>
+          </a:lnRef>
+          <a:fillRef idx="1">
+            <a:schemeClr val="accent1"/>
+          </a:fillRef>
+          <a:effectRef idx="0">
+            <a:schemeClr val="accent1"/>
+          </a:effectRef>
+          <a:fontRef idx="minor">
+            <a:schemeClr val="lt1"/>
+          </a:fontRef>
+        </p:style>
+        <p:txBody>
+          <a:bodyPr rtlCol="0" anchor="ctr"/>
+          <a:lstStyle/>
+          <a:p>
+            <a:pPr algn="ctr"/>
+            <a:endParaRPr lang="en-IE" dirty="0"/>
+          </a:p>
+        </p:txBody>
+      </p:sp>
+      <p:sp>
+        <p:nvSpPr>
+          <p:cNvPr id="15" name="Oval 14"/>
+          <p:cNvSpPr/>
+          <p:nvPr/>
+        </p:nvSpPr>
+        <p:spPr>
+          <a:xfrm>
+            <a:off x="5814471" y="5137418"/>
+            <a:ext cx="191867" cy="224952"/>
+          </a:xfrm>
+          <a:prstGeom prst="ellipse">
+            <a:avLst/>
+          </a:prstGeom>
+          <a:solidFill>
+            <a:schemeClr val="tx1"/>
+          </a:solidFill>
+          <a:ln>
+            <a:solidFill>
+              <a:schemeClr val="tx1"/>
+            </a:solidFill>
+          </a:ln>
+        </p:spPr>
+        <p:style>
+          <a:lnRef idx="2">
+            <a:schemeClr val="accent1">
+              <a:shade val="50000"/>
+            </a:schemeClr>
+          </a:lnRef>
+          <a:fillRef idx="1">
+            <a:schemeClr val="accent1"/>
+          </a:fillRef>
+          <a:effectRef idx="0">
+            <a:schemeClr val="accent1"/>
+          </a:effectRef>
+          <a:fontRef idx="minor">
+            <a:schemeClr val="lt1"/>
+          </a:fontRef>
+        </p:style>
+        <p:txBody>
+          <a:bodyPr rtlCol="0" anchor="ctr"/>
+          <a:lstStyle/>
+          <a:p>
+            <a:pPr algn="ctr"/>
+            <a:endParaRPr lang="en-IE"/>
+          </a:p>
+        </p:txBody>
+      </p:sp>
+      <p:sp>
+        <p:nvSpPr>
+          <p:cNvPr id="16" name="Isosceles Triangle 15"/>
+          <p:cNvSpPr/>
+          <p:nvPr/>
+        </p:nvSpPr>
+        <p:spPr>
+          <a:xfrm>
+            <a:off x="5796772" y="4628263"/>
+            <a:ext cx="209566" cy="217280"/>
+          </a:xfrm>
+          <a:prstGeom prst="triangle">
+            <a:avLst/>
+          </a:prstGeom>
+          <a:solidFill>
+            <a:schemeClr val="tx1"/>
+          </a:solidFill>
+          <a:ln>
+            <a:solidFill>
+              <a:schemeClr val="tx1"/>
+            </a:solidFill>
+          </a:ln>
+        </p:spPr>
+        <p:style>
+          <a:lnRef idx="2">
+            <a:schemeClr val="accent1">
+              <a:shade val="50000"/>
+            </a:schemeClr>
+          </a:lnRef>
+          <a:fillRef idx="1">
+            <a:schemeClr val="accent1"/>
+          </a:fillRef>
+          <a:effectRef idx="0">
+            <a:schemeClr val="accent1"/>
+          </a:effectRef>
+          <a:fontRef idx="minor">
+            <a:schemeClr val="lt1"/>
+          </a:fontRef>
+        </p:style>
+        <p:txBody>
+          <a:bodyPr rtlCol="0" anchor="ctr"/>
+          <a:lstStyle/>
+          <a:p>
+            <a:pPr algn="ctr"/>
+            <a:endParaRPr lang="en-IE"/>
+          </a:p>
+        </p:txBody>
+      </p:sp>
+      <p:sp>
+        <p:nvSpPr>
+          <p:cNvPr id="3" name="TextBox 2"/>
+          <p:cNvSpPr txBox="1"/>
+          <p:nvPr/>
+        </p:nvSpPr>
+        <p:spPr>
+          <a:xfrm>
+            <a:off x="6228184" y="4509120"/>
+            <a:ext cx="872241" cy="540149"/>
+          </a:xfrm>
+          <a:prstGeom prst="rect">
+            <a:avLst/>
+          </a:prstGeom>
+          <a:noFill/>
+        </p:spPr>
+        <p:txBody>
+          <a:bodyPr wrap="none" rtlCol="0">
+            <a:spAutoFit/>
+          </a:bodyPr>
+          <a:lstStyle/>
+          <a:p>
+            <a:r>
+              <a:rPr lang="en-IE" sz="2000" dirty="0" smtClean="0"/>
+              <a:t>Tenrecs</a:t>
+            </a:r>
+            <a:endParaRPr lang="en-IE" sz="2000" dirty="0"/>
+          </a:p>
+        </p:txBody>
+      </p:sp>
+      <p:sp>
+        <p:nvSpPr>
+          <p:cNvPr id="18" name="TextBox 17"/>
+          <p:cNvSpPr txBox="1"/>
+          <p:nvPr/>
+        </p:nvSpPr>
+        <p:spPr>
+          <a:xfrm>
+            <a:off x="6012160" y="5049091"/>
+            <a:ext cx="1466744" cy="540149"/>
+          </a:xfrm>
+          <a:prstGeom prst="rect">
+            <a:avLst/>
+          </a:prstGeom>
+          <a:noFill/>
+        </p:spPr>
+        <p:txBody>
+          <a:bodyPr wrap="none" rtlCol="0">
+            <a:spAutoFit/>
+          </a:bodyPr>
+          <a:lstStyle/>
+          <a:p>
+            <a:r>
+              <a:rPr lang="en-IE" sz="2000" dirty="0" smtClean="0"/>
+              <a:t>Golden Moles</a:t>
+            </a:r>
+            <a:endParaRPr lang="en-IE" sz="2000" dirty="0"/>
+          </a:p>
+        </p:txBody>
+      </p:sp>
     </p:spTree>
     <p:extLst>
       <p:ext uri="{BB962C8B-B14F-4D97-AF65-F5344CB8AC3E}">

--- a/output/ThreePlotPCA_shapes.pptx
+++ b/output/ThreePlotPCA_shapes.pptx
@@ -288,7 +288,7 @@
           <a:p>
             <a:fld id="{9FE61444-4E6E-4CEE-8736-B00447B90B41}" type="datetimeFigureOut">
               <a:rPr lang="en-IE" smtClean="0"/>
-              <a:t>27/01/2015</a:t>
+              <a:t>28/03/2015</a:t>
             </a:fld>
             <a:endParaRPr lang="en-IE"/>
           </a:p>
@@ -458,7 +458,7 @@
           <a:p>
             <a:fld id="{9FE61444-4E6E-4CEE-8736-B00447B90B41}" type="datetimeFigureOut">
               <a:rPr lang="en-IE" smtClean="0"/>
-              <a:t>27/01/2015</a:t>
+              <a:t>28/03/2015</a:t>
             </a:fld>
             <a:endParaRPr lang="en-IE"/>
           </a:p>
@@ -638,7 +638,7 @@
           <a:p>
             <a:fld id="{9FE61444-4E6E-4CEE-8736-B00447B90B41}" type="datetimeFigureOut">
               <a:rPr lang="en-IE" smtClean="0"/>
-              <a:t>27/01/2015</a:t>
+              <a:t>28/03/2015</a:t>
             </a:fld>
             <a:endParaRPr lang="en-IE"/>
           </a:p>
@@ -808,7 +808,7 @@
           <a:p>
             <a:fld id="{9FE61444-4E6E-4CEE-8736-B00447B90B41}" type="datetimeFigureOut">
               <a:rPr lang="en-IE" smtClean="0"/>
-              <a:t>27/01/2015</a:t>
+              <a:t>28/03/2015</a:t>
             </a:fld>
             <a:endParaRPr lang="en-IE"/>
           </a:p>
@@ -1054,7 +1054,7 @@
           <a:p>
             <a:fld id="{9FE61444-4E6E-4CEE-8736-B00447B90B41}" type="datetimeFigureOut">
               <a:rPr lang="en-IE" smtClean="0"/>
-              <a:t>27/01/2015</a:t>
+              <a:t>28/03/2015</a:t>
             </a:fld>
             <a:endParaRPr lang="en-IE"/>
           </a:p>
@@ -1342,7 +1342,7 @@
           <a:p>
             <a:fld id="{9FE61444-4E6E-4CEE-8736-B00447B90B41}" type="datetimeFigureOut">
               <a:rPr lang="en-IE" smtClean="0"/>
-              <a:t>27/01/2015</a:t>
+              <a:t>28/03/2015</a:t>
             </a:fld>
             <a:endParaRPr lang="en-IE"/>
           </a:p>
@@ -1764,7 +1764,7 @@
           <a:p>
             <a:fld id="{9FE61444-4E6E-4CEE-8736-B00447B90B41}" type="datetimeFigureOut">
               <a:rPr lang="en-IE" smtClean="0"/>
-              <a:t>27/01/2015</a:t>
+              <a:t>28/03/2015</a:t>
             </a:fld>
             <a:endParaRPr lang="en-IE"/>
           </a:p>
@@ -1882,7 +1882,7 @@
           <a:p>
             <a:fld id="{9FE61444-4E6E-4CEE-8736-B00447B90B41}" type="datetimeFigureOut">
               <a:rPr lang="en-IE" smtClean="0"/>
-              <a:t>27/01/2015</a:t>
+              <a:t>28/03/2015</a:t>
             </a:fld>
             <a:endParaRPr lang="en-IE"/>
           </a:p>
@@ -1977,7 +1977,7 @@
           <a:p>
             <a:fld id="{9FE61444-4E6E-4CEE-8736-B00447B90B41}" type="datetimeFigureOut">
               <a:rPr lang="en-IE" smtClean="0"/>
-              <a:t>27/01/2015</a:t>
+              <a:t>28/03/2015</a:t>
             </a:fld>
             <a:endParaRPr lang="en-IE"/>
           </a:p>
@@ -2254,7 +2254,7 @@
           <a:p>
             <a:fld id="{9FE61444-4E6E-4CEE-8736-B00447B90B41}" type="datetimeFigureOut">
               <a:rPr lang="en-IE" smtClean="0"/>
-              <a:t>27/01/2015</a:t>
+              <a:t>28/03/2015</a:t>
             </a:fld>
             <a:endParaRPr lang="en-IE"/>
           </a:p>
@@ -2507,7 +2507,7 @@
           <a:p>
             <a:fld id="{9FE61444-4E6E-4CEE-8736-B00447B90B41}" type="datetimeFigureOut">
               <a:rPr lang="en-IE" smtClean="0"/>
-              <a:t>27/01/2015</a:t>
+              <a:t>28/03/2015</a:t>
             </a:fld>
             <a:endParaRPr lang="en-IE"/>
           </a:p>
@@ -2720,7 +2720,7 @@
           <a:p>
             <a:fld id="{9FE61444-4E6E-4CEE-8736-B00447B90B41}" type="datetimeFigureOut">
               <a:rPr lang="en-IE" smtClean="0"/>
-              <a:t>27/01/2015</a:t>
+              <a:t>28/03/2015</a:t>
             </a:fld>
             <a:endParaRPr lang="en-IE"/>
           </a:p>
@@ -3081,6 +3081,16 @@
 <file path=ppt/slides/slide1.xml><?xml version="1.0" encoding="utf-8"?>
 <p:sld xmlns:a="http://schemas.openxmlformats.org/drawingml/2006/main" xmlns:r="http://schemas.openxmlformats.org/officeDocument/2006/relationships" xmlns:p="http://schemas.openxmlformats.org/presentationml/2006/main">
   <p:cSld>
+    <p:bg>
+      <p:bgPr>
+        <a:solidFill>
+          <a:schemeClr val="bg1">
+            <a:lumMod val="75000"/>
+          </a:schemeClr>
+        </a:solidFill>
+        <a:effectLst/>
+      </p:bgPr>
+    </p:bg>
     <p:spTree>
       <p:nvGrpSpPr>
         <p:cNvPr id="1" name=""/>
@@ -3139,7 +3149,7 @@
           <a:lstStyle/>
           <a:p>
             <a:pPr algn="ctr"/>
-            <a:endParaRPr lang="en-IE"/>
+            <a:endParaRPr lang="en-IE" dirty="0"/>
           </a:p>
         </p:txBody>
       </p:sp>
@@ -3557,6 +3567,96 @@
               <a:t>Golden Moles</a:t>
             </a:r>
             <a:endParaRPr lang="en-IE" sz="2000" dirty="0"/>
+          </a:p>
+        </p:txBody>
+      </p:sp>
+      <p:sp>
+        <p:nvSpPr>
+          <p:cNvPr id="2" name="TextBox 1"/>
+          <p:cNvSpPr txBox="1"/>
+          <p:nvPr/>
+        </p:nvSpPr>
+        <p:spPr>
+          <a:xfrm>
+            <a:off x="719480" y="308072"/>
+            <a:ext cx="324128" cy="369332"/>
+          </a:xfrm>
+          <a:prstGeom prst="rect">
+            <a:avLst/>
+          </a:prstGeom>
+          <a:noFill/>
+        </p:spPr>
+        <p:txBody>
+          <a:bodyPr wrap="none" rtlCol="0">
+            <a:spAutoFit/>
+          </a:bodyPr>
+          <a:lstStyle/>
+          <a:p>
+            <a:r>
+              <a:rPr lang="en-IE" b="1" dirty="0" smtClean="0"/>
+              <a:t>A</a:t>
+            </a:r>
+            <a:endParaRPr lang="en-IE" b="1" dirty="0"/>
+          </a:p>
+        </p:txBody>
+      </p:sp>
+      <p:sp>
+        <p:nvSpPr>
+          <p:cNvPr id="19" name="TextBox 18"/>
+          <p:cNvSpPr txBox="1"/>
+          <p:nvPr/>
+        </p:nvSpPr>
+        <p:spPr>
+          <a:xfrm>
+            <a:off x="4535904" y="332656"/>
+            <a:ext cx="324128" cy="369332"/>
+          </a:xfrm>
+          <a:prstGeom prst="rect">
+            <a:avLst/>
+          </a:prstGeom>
+          <a:noFill/>
+        </p:spPr>
+        <p:txBody>
+          <a:bodyPr wrap="none" rtlCol="0">
+            <a:spAutoFit/>
+          </a:bodyPr>
+          <a:lstStyle/>
+          <a:p>
+            <a:r>
+              <a:rPr lang="en-IE" b="1" dirty="0" smtClean="0"/>
+              <a:t>B</a:t>
+            </a:r>
+            <a:endParaRPr lang="en-IE" b="1" dirty="0"/>
+          </a:p>
+        </p:txBody>
+      </p:sp>
+      <p:sp>
+        <p:nvSpPr>
+          <p:cNvPr id="20" name="TextBox 19"/>
+          <p:cNvSpPr txBox="1"/>
+          <p:nvPr/>
+        </p:nvSpPr>
+        <p:spPr>
+          <a:xfrm>
+            <a:off x="935504" y="3347700"/>
+            <a:ext cx="306494" cy="369332"/>
+          </a:xfrm>
+          <a:prstGeom prst="rect">
+            <a:avLst/>
+          </a:prstGeom>
+          <a:noFill/>
+        </p:spPr>
+        <p:txBody>
+          <a:bodyPr wrap="none" rtlCol="0">
+            <a:spAutoFit/>
+          </a:bodyPr>
+          <a:lstStyle/>
+          <a:p>
+            <a:r>
+              <a:rPr lang="en-IE" b="1" dirty="0" smtClean="0"/>
+              <a:t>C</a:t>
+            </a:r>
+            <a:endParaRPr lang="en-IE" b="1" dirty="0"/>
           </a:p>
         </p:txBody>
       </p:sp>
